--- a/Presentation/1mg_Homoepathy_ppt.pptx
+++ b/Presentation/1mg_Homoepathy_ppt.pptx
@@ -27,50 +27,50 @@
   <p:notesSz cx="6858000" cy="9144000"/>
   <p:embeddedFontLst>
     <p:embeddedFont>
-      <p:font typeface="Wingdings 3" panose="05040102010807070707" pitchFamily="18" charset="2"/>
+      <p:font typeface="Open Sans Light" panose="020B0604020202020204" charset="0"/>
       <p:regular r:id="rId17"/>
     </p:embeddedFont>
     <p:embeddedFont>
+      <p:font typeface="Elephant" panose="02020904090505020303" pitchFamily="18" charset="0"/>
+      <p:regular r:id="rId18"/>
+      <p:italic r:id="rId19"/>
+    </p:embeddedFont>
+    <p:embeddedFont>
+      <p:font typeface="Trebuchet MS" panose="020B0603020202020204" pitchFamily="34" charset="0"/>
+      <p:regular r:id="rId20"/>
+      <p:bold r:id="rId21"/>
+      <p:italic r:id="rId22"/>
+      <p:boldItalic r:id="rId23"/>
+    </p:embeddedFont>
+    <p:embeddedFont>
+      <p:font typeface="Imprint MT Shadow" panose="04020605060303030202" pitchFamily="82" charset="0"/>
+      <p:regular r:id="rId24"/>
+    </p:embeddedFont>
+    <p:embeddedFont>
       <p:font typeface="Cocomat Pro Heavy" panose="020B0604020202020204" charset="0"/>
-      <p:regular r:id="rId18"/>
+      <p:regular r:id="rId25"/>
+    </p:embeddedFont>
+    <p:embeddedFont>
+      <p:font typeface="Wingdings 3" panose="05040102010807070707" pitchFamily="18" charset="2"/>
+      <p:regular r:id="rId26"/>
+    </p:embeddedFont>
+    <p:embeddedFont>
+      <p:font typeface="Montserrat" panose="020B0604020202020204" charset="0"/>
+      <p:regular r:id="rId27"/>
     </p:embeddedFont>
     <p:embeddedFont>
       <p:font typeface="Cambria Math" panose="02040503050406030204" pitchFamily="18" charset="0"/>
-      <p:regular r:id="rId19"/>
-    </p:embeddedFont>
-    <p:embeddedFont>
-      <p:font typeface="Open Sans Light" panose="020B0604020202020204" charset="0"/>
-      <p:regular r:id="rId20"/>
+      <p:regular r:id="rId28"/>
     </p:embeddedFont>
     <p:embeddedFont>
       <p:font typeface="Calibri" panose="020F0502020204030204" pitchFamily="34" charset="0"/>
-      <p:regular r:id="rId21"/>
-      <p:bold r:id="rId22"/>
-      <p:italic r:id="rId23"/>
-      <p:boldItalic r:id="rId24"/>
+      <p:regular r:id="rId29"/>
+      <p:bold r:id="rId30"/>
+      <p:italic r:id="rId31"/>
+      <p:boldItalic r:id="rId32"/>
     </p:embeddedFont>
     <p:embeddedFont>
       <p:font typeface="Algerian" panose="04020705040A02060702" pitchFamily="82" charset="0"/>
-      <p:regular r:id="rId25"/>
-    </p:embeddedFont>
-    <p:embeddedFont>
-      <p:font typeface="Elephant" panose="02020904090505020303" pitchFamily="18" charset="0"/>
-      <p:regular r:id="rId26"/>
-      <p:italic r:id="rId27"/>
-    </p:embeddedFont>
-    <p:embeddedFont>
-      <p:font typeface="Trebuchet MS" panose="020B0603020202020204" pitchFamily="34" charset="0"/>
-      <p:regular r:id="rId28"/>
-      <p:bold r:id="rId29"/>
-      <p:italic r:id="rId30"/>
-      <p:boldItalic r:id="rId31"/>
-    </p:embeddedFont>
-    <p:embeddedFont>
-      <p:font typeface="Montserrat" panose="020B0604020202020204" charset="0"/>
-      <p:regular r:id="rId32"/>
-    </p:embeddedFont>
-    <p:embeddedFont>
-      <p:font typeface="Imprint MT Shadow" panose="04020605060303030202" pitchFamily="82" charset="0"/>
       <p:regular r:id="rId33"/>
     </p:embeddedFont>
   </p:embeddedFontLst>
@@ -2419,7 +2419,7 @@
           <c:x val="6.2404358684912668E-2"/>
           <c:y val="3.7759106331220794E-2"/>
           <c:w val="0.96570433578078863"/>
-          <c:h val="0.78812947387258414"/>
+          <c:h val="0.67915517180751928"/>
         </c:manualLayout>
       </c:layout>
       <c:barChart>
@@ -2452,6 +2452,65 @@
             <a:effectLst/>
           </c:spPr>
           <c:invertIfNegative val="0"/>
+          <c:dLbls>
+            <c:spPr>
+              <a:noFill/>
+              <a:ln>
+                <a:noFill/>
+              </a:ln>
+              <a:effectLst/>
+            </c:spPr>
+            <c:txPr>
+              <a:bodyPr rot="0" spcFirstLastPara="1" vertOverflow="ellipsis" vert="horz" wrap="square" lIns="38100" tIns="19050" rIns="38100" bIns="19050" anchor="ctr" anchorCtr="1">
+                <a:spAutoFit/>
+              </a:bodyPr>
+              <a:lstStyle/>
+              <a:p>
+                <a:pPr>
+                  <a:defRPr sz="1800" b="1" i="0" u="none" strike="noStrike" kern="1200" baseline="0">
+                    <a:solidFill>
+                      <a:schemeClr val="tx1">
+                        <a:lumMod val="75000"/>
+                        <a:lumOff val="25000"/>
+                      </a:schemeClr>
+                    </a:solidFill>
+                    <a:latin typeface="+mn-lt"/>
+                    <a:ea typeface="+mn-ea"/>
+                    <a:cs typeface="+mn-cs"/>
+                  </a:defRPr>
+                </a:pPr>
+                <a:endParaRPr lang="en-US"/>
+              </a:p>
+            </c:txPr>
+            <c:dLblPos val="outEnd"/>
+            <c:showLegendKey val="0"/>
+            <c:showVal val="1"/>
+            <c:showCatName val="0"/>
+            <c:showSerName val="0"/>
+            <c:showPercent val="0"/>
+            <c:showBubbleSize val="0"/>
+            <c:showLeaderLines val="0"/>
+            <c:extLst>
+              <c:ext xmlns:c15="http://schemas.microsoft.com/office/drawing/2012/chart" uri="{CE6537A1-D6FC-4f65-9D91-7224C49458BB}">
+                <c15:layout/>
+                <c15:showLeaderLines val="1"/>
+                <c15:leaderLines>
+                  <c:spPr>
+                    <a:ln w="9525" cap="flat" cmpd="sng" algn="ctr">
+                      <a:solidFill>
+                        <a:schemeClr val="tx1">
+                          <a:lumMod val="35000"/>
+                          <a:lumOff val="65000"/>
+                        </a:schemeClr>
+                      </a:solidFill>
+                      <a:round/>
+                    </a:ln>
+                    <a:effectLst/>
+                  </c:spPr>
+                </c15:leaderLines>
+              </c:ext>
+            </c:extLst>
+          </c:dLbls>
           <c:cat>
             <c:strRef>
               <c:f>Sheet5!$A$2:$A$15</c:f>
@@ -2554,19 +2613,20 @@
           </c:extLst>
         </c:ser>
         <c:dLbls>
+          <c:dLblPos val="outEnd"/>
           <c:showLegendKey val="0"/>
-          <c:showVal val="0"/>
+          <c:showVal val="1"/>
           <c:showCatName val="0"/>
           <c:showSerName val="0"/>
           <c:showPercent val="0"/>
           <c:showBubbleSize val="0"/>
         </c:dLbls>
         <c:gapWidth val="150"/>
-        <c:axId val="-1985353344"/>
-        <c:axId val="-1985356064"/>
+        <c:axId val="-1153949200"/>
+        <c:axId val="-1153937776"/>
       </c:barChart>
       <c:catAx>
-        <c:axId val="-1985353344"/>
+        <c:axId val="-1153949200"/>
         <c:scaling>
           <c:orientation val="minMax"/>
         </c:scaling>
@@ -2609,7 +2669,7 @@
             <a:endParaRPr lang="en-US"/>
           </a:p>
         </c:txPr>
-        <c:crossAx val="-1985356064"/>
+        <c:crossAx val="-1153937776"/>
         <c:crosses val="autoZero"/>
         <c:auto val="1"/>
         <c:lblAlgn val="ctr"/>
@@ -2617,58 +2677,17 @@
         <c:noMultiLvlLbl val="0"/>
       </c:catAx>
       <c:valAx>
-        <c:axId val="-1985356064"/>
+        <c:axId val="-1153937776"/>
         <c:scaling>
           <c:orientation val="minMax"/>
         </c:scaling>
-        <c:delete val="0"/>
+        <c:delete val="1"/>
         <c:axPos val="l"/>
-        <c:majorGridlines>
-          <c:spPr>
-            <a:ln w="9525" cap="flat" cmpd="sng" algn="ctr">
-              <a:solidFill>
-                <a:schemeClr val="tx1">
-                  <a:lumMod val="15000"/>
-                  <a:lumOff val="85000"/>
-                </a:schemeClr>
-              </a:solidFill>
-              <a:round/>
-            </a:ln>
-            <a:effectLst/>
-          </c:spPr>
-        </c:majorGridlines>
         <c:numFmt formatCode="General" sourceLinked="1"/>
         <c:majorTickMark val="out"/>
         <c:minorTickMark val="none"/>
         <c:tickLblPos val="nextTo"/>
-        <c:spPr>
-          <a:noFill/>
-          <a:ln>
-            <a:noFill/>
-          </a:ln>
-          <a:effectLst/>
-        </c:spPr>
-        <c:txPr>
-          <a:bodyPr rot="-60000000" spcFirstLastPara="1" vertOverflow="ellipsis" vert="horz" wrap="square" anchor="ctr" anchorCtr="1"/>
-          <a:lstStyle/>
-          <a:p>
-            <a:pPr>
-              <a:defRPr sz="2800" b="0" i="0" u="none" strike="noStrike" kern="1200" baseline="0">
-                <a:solidFill>
-                  <a:schemeClr val="tx1">
-                    <a:lumMod val="65000"/>
-                    <a:lumOff val="35000"/>
-                  </a:schemeClr>
-                </a:solidFill>
-                <a:latin typeface="Cambria Math" panose="02040503050406030204" pitchFamily="18" charset="0"/>
-                <a:ea typeface="Cambria Math" panose="02040503050406030204" pitchFamily="18" charset="0"/>
-                <a:cs typeface="+mn-cs"/>
-              </a:defRPr>
-            </a:pPr>
-            <a:endParaRPr lang="en-US"/>
-          </a:p>
-        </c:txPr>
-        <c:crossAx val="-1985353344"/>
+        <c:crossAx val="-1153949200"/>
         <c:crosses val="autoZero"/>
         <c:crossBetween val="between"/>
       </c:valAx>
@@ -2872,6 +2891,65 @@
             </a:effectLst>
           </c:spPr>
           <c:invertIfNegative val="0"/>
+          <c:dLbls>
+            <c:spPr>
+              <a:noFill/>
+              <a:ln>
+                <a:noFill/>
+              </a:ln>
+              <a:effectLst/>
+            </c:spPr>
+            <c:txPr>
+              <a:bodyPr rot="0" spcFirstLastPara="1" vertOverflow="ellipsis" vert="horz" wrap="square" lIns="38100" tIns="19050" rIns="38100" bIns="19050" anchor="ctr" anchorCtr="1">
+                <a:spAutoFit/>
+              </a:bodyPr>
+              <a:lstStyle/>
+              <a:p>
+                <a:pPr>
+                  <a:defRPr sz="2000" b="1" i="0" u="none" strike="noStrike" kern="1200" baseline="0">
+                    <a:solidFill>
+                      <a:schemeClr val="tx1">
+                        <a:lumMod val="75000"/>
+                        <a:lumOff val="25000"/>
+                      </a:schemeClr>
+                    </a:solidFill>
+                    <a:latin typeface="+mn-lt"/>
+                    <a:ea typeface="+mn-ea"/>
+                    <a:cs typeface="+mn-cs"/>
+                  </a:defRPr>
+                </a:pPr>
+                <a:endParaRPr lang="en-US"/>
+              </a:p>
+            </c:txPr>
+            <c:dLblPos val="outEnd"/>
+            <c:showLegendKey val="0"/>
+            <c:showVal val="1"/>
+            <c:showCatName val="0"/>
+            <c:showSerName val="0"/>
+            <c:showPercent val="0"/>
+            <c:showBubbleSize val="0"/>
+            <c:showLeaderLines val="0"/>
+            <c:extLst>
+              <c:ext xmlns:c15="http://schemas.microsoft.com/office/drawing/2012/chart" uri="{CE6537A1-D6FC-4f65-9D91-7224C49458BB}">
+                <c15:layout/>
+                <c15:showLeaderLines val="1"/>
+                <c15:leaderLines>
+                  <c:spPr>
+                    <a:ln w="9525" cap="flat" cmpd="sng" algn="ctr">
+                      <a:solidFill>
+                        <a:schemeClr val="tx1">
+                          <a:lumMod val="35000"/>
+                          <a:lumOff val="65000"/>
+                        </a:schemeClr>
+                      </a:solidFill>
+                      <a:round/>
+                    </a:ln>
+                    <a:effectLst/>
+                  </c:spPr>
+                </c15:leaderLines>
+              </c:ext>
+            </c:extLst>
+          </c:dLbls>
           <c:cat>
             <c:strRef>
               <c:f>Sheet5!$D$2:$D$23</c:f>
@@ -3022,19 +3100,20 @@
           </c:extLst>
         </c:ser>
         <c:dLbls>
+          <c:dLblPos val="outEnd"/>
           <c:showLegendKey val="0"/>
-          <c:showVal val="0"/>
+          <c:showVal val="1"/>
           <c:showCatName val="0"/>
           <c:showSerName val="0"/>
           <c:showPercent val="0"/>
           <c:showBubbleSize val="0"/>
         </c:dLbls>
         <c:gapWidth val="182"/>
-        <c:axId val="-1985354432"/>
-        <c:axId val="-1985346272"/>
+        <c:axId val="-1153936688"/>
+        <c:axId val="-1153947568"/>
       </c:barChart>
       <c:catAx>
-        <c:axId val="-1985354432"/>
+        <c:axId val="-1153936688"/>
         <c:scaling>
           <c:orientation val="minMax"/>
         </c:scaling>
@@ -3077,7 +3156,7 @@
             <a:endParaRPr lang="en-US"/>
           </a:p>
         </c:txPr>
-        <c:crossAx val="-1985346272"/>
+        <c:crossAx val="-1153947568"/>
         <c:crosses val="autoZero"/>
         <c:auto val="1"/>
         <c:lblAlgn val="ctr"/>
@@ -3085,58 +3164,17 @@
         <c:noMultiLvlLbl val="0"/>
       </c:catAx>
       <c:valAx>
-        <c:axId val="-1985346272"/>
+        <c:axId val="-1153947568"/>
         <c:scaling>
           <c:orientation val="minMax"/>
         </c:scaling>
-        <c:delete val="0"/>
+        <c:delete val="1"/>
         <c:axPos val="b"/>
-        <c:majorGridlines>
-          <c:spPr>
-            <a:ln w="9525" cap="flat" cmpd="sng" algn="ctr">
-              <a:solidFill>
-                <a:schemeClr val="tx1">
-                  <a:lumMod val="15000"/>
-                  <a:lumOff val="85000"/>
-                </a:schemeClr>
-              </a:solidFill>
-              <a:round/>
-            </a:ln>
-            <a:effectLst/>
-          </c:spPr>
-        </c:majorGridlines>
         <c:numFmt formatCode="0" sourceLinked="1"/>
         <c:majorTickMark val="none"/>
         <c:minorTickMark val="none"/>
         <c:tickLblPos val="nextTo"/>
-        <c:spPr>
-          <a:noFill/>
-          <a:ln>
-            <a:noFill/>
-          </a:ln>
-          <a:effectLst/>
-        </c:spPr>
-        <c:txPr>
-          <a:bodyPr rot="-60000000" spcFirstLastPara="1" vertOverflow="ellipsis" vert="horz" wrap="square" anchor="ctr" anchorCtr="1"/>
-          <a:lstStyle/>
-          <a:p>
-            <a:pPr>
-              <a:defRPr sz="2000" b="0" i="0" u="none" strike="noStrike" kern="1200" baseline="0">
-                <a:solidFill>
-                  <a:schemeClr val="tx1">
-                    <a:lumMod val="65000"/>
-                    <a:lumOff val="35000"/>
-                  </a:schemeClr>
-                </a:solidFill>
-                <a:latin typeface="Arial Black" panose="020B0A04020102020204" pitchFamily="34" charset="0"/>
-                <a:ea typeface="+mn-ea"/>
-                <a:cs typeface="+mn-cs"/>
-              </a:defRPr>
-            </a:pPr>
-            <a:endParaRPr lang="en-US"/>
-          </a:p>
-        </c:txPr>
-        <c:crossAx val="-1985354432"/>
+        <c:crossAx val="-1153936688"/>
         <c:crosses val="autoZero"/>
         <c:crossBetween val="between"/>
       </c:valAx>
@@ -3296,7 +3334,7 @@
           <c:x val="0.12078686020439874"/>
           <c:y val="0.13250306211723534"/>
           <c:w val="0.83432348286566649"/>
-          <c:h val="0.58906561679790037"/>
+          <c:h val="0.53009125782354127"/>
         </c:manualLayout>
       </c:layout>
       <c:barChart>
@@ -3332,6 +3370,65 @@
             <a:effectLst/>
           </c:spPr>
           <c:invertIfNegative val="0"/>
+          <c:dLbls>
+            <c:spPr>
+              <a:noFill/>
+              <a:ln>
+                <a:noFill/>
+              </a:ln>
+              <a:effectLst/>
+            </c:spPr>
+            <c:txPr>
+              <a:bodyPr rot="0" spcFirstLastPara="1" vertOverflow="ellipsis" vert="horz" wrap="square" lIns="38100" tIns="19050" rIns="38100" bIns="19050" anchor="ctr" anchorCtr="1">
+                <a:spAutoFit/>
+              </a:bodyPr>
+              <a:lstStyle/>
+              <a:p>
+                <a:pPr>
+                  <a:defRPr sz="1800" b="1" i="0" u="none" strike="noStrike" kern="1200" baseline="0">
+                    <a:solidFill>
+                      <a:schemeClr val="tx1">
+                        <a:lumMod val="75000"/>
+                        <a:lumOff val="25000"/>
+                      </a:schemeClr>
+                    </a:solidFill>
+                    <a:latin typeface="+mn-lt"/>
+                    <a:ea typeface="+mn-ea"/>
+                    <a:cs typeface="+mn-cs"/>
+                  </a:defRPr>
+                </a:pPr>
+                <a:endParaRPr lang="en-US"/>
+              </a:p>
+            </c:txPr>
+            <c:dLblPos val="outEnd"/>
+            <c:showLegendKey val="0"/>
+            <c:showVal val="1"/>
+            <c:showCatName val="0"/>
+            <c:showSerName val="0"/>
+            <c:showPercent val="0"/>
+            <c:showBubbleSize val="0"/>
+            <c:showLeaderLines val="0"/>
+            <c:extLst>
+              <c:ext xmlns:c15="http://schemas.microsoft.com/office/drawing/2012/chart" uri="{CE6537A1-D6FC-4f65-9D91-7224C49458BB}">
+                <c15:layout/>
+                <c15:showLeaderLines val="1"/>
+                <c15:leaderLines>
+                  <c:spPr>
+                    <a:ln w="9525" cap="flat" cmpd="sng" algn="ctr">
+                      <a:solidFill>
+                        <a:schemeClr val="tx1">
+                          <a:lumMod val="35000"/>
+                          <a:lumOff val="65000"/>
+                        </a:schemeClr>
+                      </a:solidFill>
+                      <a:round/>
+                    </a:ln>
+                    <a:effectLst/>
+                  </c:spPr>
+                </c15:leaderLines>
+              </c:ext>
+            </c:extLst>
+          </c:dLbls>
           <c:cat>
             <c:strRef>
               <c:f>Sheet5!$H$2:$H$15</c:f>
@@ -3442,11 +3539,11 @@
           <c:showBubbleSize val="0"/>
         </c:dLbls>
         <c:gapWidth val="150"/>
-        <c:axId val="-1947830576"/>
-        <c:axId val="-1947817520"/>
+        <c:axId val="-1153943216"/>
+        <c:axId val="-1153946480"/>
       </c:barChart>
       <c:catAx>
-        <c:axId val="-1947830576"/>
+        <c:axId val="-1153943216"/>
         <c:scaling>
           <c:orientation val="minMax"/>
         </c:scaling>
@@ -3489,7 +3586,7 @@
             <a:endParaRPr lang="en-US"/>
           </a:p>
         </c:txPr>
-        <c:crossAx val="-1947817520"/>
+        <c:crossAx val="-1153946480"/>
         <c:crosses val="autoZero"/>
         <c:auto val="1"/>
         <c:lblAlgn val="ctr"/>
@@ -3497,44 +3594,17 @@
         <c:noMultiLvlLbl val="0"/>
       </c:catAx>
       <c:valAx>
-        <c:axId val="-1947817520"/>
+        <c:axId val="-1153946480"/>
         <c:scaling>
           <c:orientation val="minMax"/>
         </c:scaling>
-        <c:delete val="0"/>
+        <c:delete val="1"/>
         <c:axPos val="l"/>
         <c:numFmt formatCode="0" sourceLinked="1"/>
         <c:majorTickMark val="out"/>
         <c:minorTickMark val="none"/>
         <c:tickLblPos val="nextTo"/>
-        <c:spPr>
-          <a:noFill/>
-          <a:ln>
-            <a:noFill/>
-          </a:ln>
-          <a:effectLst/>
-        </c:spPr>
-        <c:txPr>
-          <a:bodyPr rot="-60000000" spcFirstLastPara="1" vertOverflow="ellipsis" vert="horz" wrap="square" anchor="ctr" anchorCtr="1"/>
-          <a:lstStyle/>
-          <a:p>
-            <a:pPr>
-              <a:defRPr sz="2400" b="0" i="0" u="none" strike="noStrike" kern="1200" baseline="0">
-                <a:solidFill>
-                  <a:schemeClr val="tx1">
-                    <a:lumMod val="65000"/>
-                    <a:lumOff val="35000"/>
-                  </a:schemeClr>
-                </a:solidFill>
-                <a:latin typeface="+mn-lt"/>
-                <a:ea typeface="+mn-ea"/>
-                <a:cs typeface="+mn-cs"/>
-              </a:defRPr>
-            </a:pPr>
-            <a:endParaRPr lang="en-US"/>
-          </a:p>
-        </c:txPr>
-        <c:crossAx val="-1947830576"/>
+        <c:crossAx val="-1153943216"/>
         <c:crosses val="autoZero"/>
         <c:crossBetween val="between"/>
       </c:valAx>
@@ -4350,6 +4420,7 @@
           </c:val>
         </c:ser>
         <c:dLbls>
+          <c:dLblPos val="outEnd"/>
           <c:showLegendKey val="0"/>
           <c:showVal val="0"/>
           <c:showCatName val="0"/>
@@ -4358,11 +4429,11 @@
           <c:showBubbleSize val="0"/>
         </c:dLbls>
         <c:gapWidth val="219"/>
-        <c:axId val="-1947825136"/>
-        <c:axId val="-1947827856"/>
+        <c:axId val="-1342079680"/>
+        <c:axId val="-1342088384"/>
       </c:barChart>
       <c:catAx>
-        <c:axId val="-1947825136"/>
+        <c:axId val="-1342079680"/>
         <c:scaling>
           <c:orientation val="minMax"/>
         </c:scaling>
@@ -4406,7 +4477,7 @@
             <a:endParaRPr lang="en-US"/>
           </a:p>
         </c:txPr>
-        <c:crossAx val="-1947827856"/>
+        <c:crossAx val="-1342088384"/>
         <c:crosses val="autoZero"/>
         <c:auto val="1"/>
         <c:lblAlgn val="ctr"/>
@@ -4414,26 +4485,12 @@
         <c:noMultiLvlLbl val="0"/>
       </c:catAx>
       <c:valAx>
-        <c:axId val="-1947827856"/>
+        <c:axId val="-1342088384"/>
         <c:scaling>
           <c:orientation val="minMax"/>
         </c:scaling>
         <c:delete val="0"/>
         <c:axPos val="b"/>
-        <c:majorGridlines>
-          <c:spPr>
-            <a:ln w="9525" cap="flat" cmpd="sng" algn="ctr">
-              <a:solidFill>
-                <a:schemeClr val="tx1">
-                  <a:lumMod val="15000"/>
-                  <a:lumOff val="85000"/>
-                </a:schemeClr>
-              </a:solidFill>
-              <a:round/>
-            </a:ln>
-            <a:effectLst/>
-          </c:spPr>
-        </c:majorGridlines>
         <c:numFmt formatCode="0" sourceLinked="1"/>
         <c:majorTickMark val="none"/>
         <c:minorTickMark val="none"/>
@@ -4465,7 +4522,7 @@
             <a:endParaRPr lang="en-US"/>
           </a:p>
         </c:txPr>
-        <c:crossAx val="-1947825136"/>
+        <c:crossAx val="-1342079680"/>
         <c:crosses val="autoZero"/>
         <c:crossBetween val="between"/>
       </c:valAx>
@@ -4726,9 +4783,9 @@
               <a:lstStyle/>
               <a:p>
                 <a:pPr>
-                  <a:defRPr sz="1197" b="1" i="0" u="none" strike="noStrike" kern="1200" baseline="0">
+                  <a:defRPr sz="1600" b="1" i="0" u="none" strike="noStrike" kern="1200" baseline="0">
                     <a:solidFill>
-                      <a:schemeClr val="lt1"/>
+                      <a:schemeClr val="bg1"/>
                     </a:solidFill>
                     <a:latin typeface="+mn-lt"/>
                     <a:ea typeface="+mn-ea"/>
@@ -4877,11 +4934,11 @@
           <c:showBubbleSize val="0"/>
         </c:dLbls>
         <c:gapWidth val="65"/>
-        <c:axId val="-1947818608"/>
-        <c:axId val="-1947816432"/>
+        <c:axId val="-1342076960"/>
+        <c:axId val="-1342078592"/>
       </c:barChart>
       <c:catAx>
-        <c:axId val="-1947818608"/>
+        <c:axId val="-1342076960"/>
         <c:scaling>
           <c:orientation val="minMax"/>
         </c:scaling>
@@ -4924,7 +4981,7 @@
             <a:endParaRPr lang="en-US"/>
           </a:p>
         </c:txPr>
-        <c:crossAx val="-1947816432"/>
+        <c:crossAx val="-1342078592"/>
         <c:crosses val="autoZero"/>
         <c:auto val="1"/>
         <c:lblAlgn val="ctr"/>
@@ -4932,43 +4989,17 @@
         <c:noMultiLvlLbl val="0"/>
       </c:catAx>
       <c:valAx>
-        <c:axId val="-1947816432"/>
+        <c:axId val="-1342078592"/>
         <c:scaling>
           <c:orientation val="minMax"/>
         </c:scaling>
         <c:delete val="1"/>
         <c:axPos val="l"/>
-        <c:majorGridlines>
-          <c:spPr>
-            <a:ln w="9525" cap="flat" cmpd="sng" algn="ctr">
-              <a:gradFill>
-                <a:gsLst>
-                  <a:gs pos="100000">
-                    <a:schemeClr val="dk1">
-                      <a:lumMod val="95000"/>
-                      <a:lumOff val="5000"/>
-                      <a:alpha val="42000"/>
-                    </a:schemeClr>
-                  </a:gs>
-                  <a:gs pos="0">
-                    <a:schemeClr val="lt1">
-                      <a:lumMod val="75000"/>
-                      <a:alpha val="36000"/>
-                    </a:schemeClr>
-                  </a:gs>
-                </a:gsLst>
-                <a:lin ang="5400000" scaled="0"/>
-              </a:gradFill>
-              <a:round/>
-            </a:ln>
-            <a:effectLst/>
-          </c:spPr>
-        </c:majorGridlines>
         <c:numFmt formatCode="0" sourceLinked="1"/>
         <c:majorTickMark val="none"/>
         <c:minorTickMark val="none"/>
         <c:tickLblPos val="nextTo"/>
-        <c:crossAx val="-1947818608"/>
+        <c:crossAx val="-1342076960"/>
         <c:crosses val="autoZero"/>
         <c:crossBetween val="between"/>
       </c:valAx>
@@ -8483,7 +8514,7 @@
           <a:p>
             <a:fld id="{411EBE5F-2E1C-4943-B77A-2485CA48E25D}" type="datetimeFigureOut">
               <a:rPr lang="en-IN" smtClean="0"/>
-              <a:t>30-08-2023</a:t>
+              <a:t>11-12-2023</a:t>
             </a:fld>
             <a:endParaRPr lang="en-IN"/>
           </a:p>
@@ -9770,7 +9801,7 @@
             <a:fld id="{1D8BD707-D9CF-40AE-B4C6-C98DA3205C09}" type="datetimeFigureOut">
               <a:rPr lang="en-US" smtClean="0"/>
               <a:pPr/>
-              <a:t>8/30/2023</a:t>
+              <a:t>12/11/2023</a:t>
             </a:fld>
             <a:endParaRPr lang="en-US"/>
           </a:p>
@@ -10035,7 +10066,7 @@
             <a:fld id="{1D8BD707-D9CF-40AE-B4C6-C98DA3205C09}" type="datetimeFigureOut">
               <a:rPr lang="en-US" smtClean="0"/>
               <a:pPr/>
-              <a:t>8/30/2023</a:t>
+              <a:t>12/11/2023</a:t>
             </a:fld>
             <a:endParaRPr lang="en-US"/>
           </a:p>
@@ -10363,7 +10394,7 @@
             <a:fld id="{1D8BD707-D9CF-40AE-B4C6-C98DA3205C09}" type="datetimeFigureOut">
               <a:rPr lang="en-US" smtClean="0"/>
               <a:pPr/>
-              <a:t>8/30/2023</a:t>
+              <a:t>12/11/2023</a:t>
             </a:fld>
             <a:endParaRPr lang="en-US"/>
           </a:p>
@@ -10718,7 +10749,7 @@
             <a:fld id="{1D8BD707-D9CF-40AE-B4C6-C98DA3205C09}" type="datetimeFigureOut">
               <a:rPr lang="en-US" smtClean="0"/>
               <a:pPr/>
-              <a:t>8/30/2023</a:t>
+              <a:t>12/11/2023</a:t>
             </a:fld>
             <a:endParaRPr lang="en-US"/>
           </a:p>
@@ -11046,7 +11077,7 @@
             <a:fld id="{1D8BD707-D9CF-40AE-B4C6-C98DA3205C09}" type="datetimeFigureOut">
               <a:rPr lang="en-US" smtClean="0"/>
               <a:pPr/>
-              <a:t>8/30/2023</a:t>
+              <a:t>12/11/2023</a:t>
             </a:fld>
             <a:endParaRPr lang="en-US"/>
           </a:p>
@@ -11453,7 +11484,7 @@
             <a:fld id="{1D8BD707-D9CF-40AE-B4C6-C98DA3205C09}" type="datetimeFigureOut">
               <a:rPr lang="en-US" smtClean="0"/>
               <a:pPr/>
-              <a:t>8/30/2023</a:t>
+              <a:t>12/11/2023</a:t>
             </a:fld>
             <a:endParaRPr lang="en-US"/>
           </a:p>
@@ -11637,7 +11668,7 @@
             <a:fld id="{1D8BD707-D9CF-40AE-B4C6-C98DA3205C09}" type="datetimeFigureOut">
               <a:rPr lang="en-US" smtClean="0"/>
               <a:pPr/>
-              <a:t>8/30/2023</a:t>
+              <a:t>12/11/2023</a:t>
             </a:fld>
             <a:endParaRPr lang="en-US"/>
           </a:p>
@@ -11831,7 +11862,7 @@
             <a:fld id="{1D8BD707-D9CF-40AE-B4C6-C98DA3205C09}" type="datetimeFigureOut">
               <a:rPr lang="en-US" smtClean="0"/>
               <a:pPr/>
-              <a:t>8/30/2023</a:t>
+              <a:t>12/11/2023</a:t>
             </a:fld>
             <a:endParaRPr lang="en-US"/>
           </a:p>
@@ -12021,7 +12052,7 @@
             <a:fld id="{1D8BD707-D9CF-40AE-B4C6-C98DA3205C09}" type="datetimeFigureOut">
               <a:rPr lang="en-US" smtClean="0"/>
               <a:pPr/>
-              <a:t>8/30/2023</a:t>
+              <a:t>12/11/2023</a:t>
             </a:fld>
             <a:endParaRPr lang="en-US"/>
           </a:p>
@@ -12282,7 +12313,7 @@
             <a:fld id="{1D8BD707-D9CF-40AE-B4C6-C98DA3205C09}" type="datetimeFigureOut">
               <a:rPr lang="en-US" smtClean="0"/>
               <a:pPr/>
-              <a:t>8/30/2023</a:t>
+              <a:t>12/11/2023</a:t>
             </a:fld>
             <a:endParaRPr lang="en-US"/>
           </a:p>
@@ -12528,7 +12559,7 @@
             <a:fld id="{1D8BD707-D9CF-40AE-B4C6-C98DA3205C09}" type="datetimeFigureOut">
               <a:rPr lang="en-US" smtClean="0"/>
               <a:pPr/>
-              <a:t>8/30/2023</a:t>
+              <a:t>12/11/2023</a:t>
             </a:fld>
             <a:endParaRPr lang="en-US"/>
           </a:p>
@@ -12916,7 +12947,7 @@
             <a:fld id="{1D8BD707-D9CF-40AE-B4C6-C98DA3205C09}" type="datetimeFigureOut">
               <a:rPr lang="en-US" smtClean="0"/>
               <a:pPr/>
-              <a:t>8/30/2023</a:t>
+              <a:t>12/11/2023</a:t>
             </a:fld>
             <a:endParaRPr lang="en-US"/>
           </a:p>
@@ -13053,7 +13084,7 @@
             <a:fld id="{1D8BD707-D9CF-40AE-B4C6-C98DA3205C09}" type="datetimeFigureOut">
               <a:rPr lang="en-US" smtClean="0"/>
               <a:pPr/>
-              <a:t>8/30/2023</a:t>
+              <a:t>12/11/2023</a:t>
             </a:fld>
             <a:endParaRPr lang="en-US"/>
           </a:p>
@@ -13162,7 +13193,7 @@
             <a:fld id="{1D8BD707-D9CF-40AE-B4C6-C98DA3205C09}" type="datetimeFigureOut">
               <a:rPr lang="en-US" smtClean="0"/>
               <a:pPr/>
-              <a:t>8/30/2023</a:t>
+              <a:t>12/11/2023</a:t>
             </a:fld>
             <a:endParaRPr lang="en-US"/>
           </a:p>
@@ -13431,7 +13462,7 @@
             <a:fld id="{1D8BD707-D9CF-40AE-B4C6-C98DA3205C09}" type="datetimeFigureOut">
               <a:rPr lang="en-US" smtClean="0"/>
               <a:pPr/>
-              <a:t>8/30/2023</a:t>
+              <a:t>12/11/2023</a:t>
             </a:fld>
             <a:endParaRPr lang="en-US"/>
           </a:p>
@@ -13708,7 +13739,7 @@
             <a:fld id="{1D8BD707-D9CF-40AE-B4C6-C98DA3205C09}" type="datetimeFigureOut">
               <a:rPr lang="en-US" smtClean="0"/>
               <a:pPr/>
-              <a:t>8/30/2023</a:t>
+              <a:t>12/11/2023</a:t>
             </a:fld>
             <a:endParaRPr lang="en-US"/>
           </a:p>
@@ -14465,7 +14496,7 @@
             <a:fld id="{1D8BD707-D9CF-40AE-B4C6-C98DA3205C09}" type="datetimeFigureOut">
               <a:rPr lang="en-US" smtClean="0"/>
               <a:pPr/>
-              <a:t>8/30/2023</a:t>
+              <a:t>12/11/2023</a:t>
             </a:fld>
             <a:endParaRPr lang="en-US"/>
           </a:p>
@@ -15112,7 +15143,7 @@
             <a:blip r:embed="rId3">
               <a:extLst>
                 <a:ext uri="{96DAC541-7B7A-43D3-8B79-37D633B846F1}">
-                  <asvg:svgBlip xmlns="" xmlns:asvg="http://schemas.microsoft.com/office/drawing/2016/SVG/main" r:embed="rId11"/>
+                  <asvg:svgBlip xmlns:asvg="http://schemas.microsoft.com/office/drawing/2016/SVG/main" xmlns="" r:embed="rId11"/>
                 </a:ext>
               </a:extLst>
             </a:blip>
@@ -15309,13 +15340,13 @@
   <p:clrMapOvr>
     <a:masterClrMapping/>
   </p:clrMapOvr>
-  <mc:AlternateContent xmlns:mc="http://schemas.openxmlformats.org/markup-compatibility/2006" xmlns:p14="http://schemas.microsoft.com/office/powerpoint/2010/main">
-    <mc:Choice Requires="p14">
-      <p:transition spd="slow" p14:dur="1600">
-        <p14:gallery dir="l"/>
+  <mc:AlternateContent xmlns:mc="http://schemas.openxmlformats.org/markup-compatibility/2006">
+    <mc:Choice xmlns:p15="http://schemas.microsoft.com/office/powerpoint/2012/main" Requires="p15">
+      <p:transition xmlns:p14="http://schemas.microsoft.com/office/powerpoint/2010/main" spd="slow" p14:dur="6000">
+        <p15:prstTrans prst="curtains"/>
       </p:transition>
     </mc:Choice>
-    <mc:Fallback xmlns="">
+    <mc:Fallback>
       <p:transition spd="slow">
         <p:fade/>
       </p:transition>
@@ -15324,9 +15355,134 @@
   <p:timing>
     <p:tnLst>
       <p:par>
-        <p:cTn id="1" dur="indefinite" restart="never" nodeType="tmRoot"/>
+        <p:cTn id="1" dur="indefinite" restart="never" nodeType="tmRoot">
+          <p:childTnLst>
+            <p:seq concurrent="1" nextAc="seek">
+              <p:cTn id="2" dur="indefinite" nodeType="mainSeq">
+                <p:childTnLst>
+                  <p:par>
+                    <p:cTn id="3" fill="hold">
+                      <p:stCondLst>
+                        <p:cond delay="indefinite"/>
+                      </p:stCondLst>
+                      <p:childTnLst>
+                        <p:par>
+                          <p:cTn id="4" fill="hold">
+                            <p:stCondLst>
+                              <p:cond delay="0"/>
+                            </p:stCondLst>
+                            <p:childTnLst>
+                              <p:par>
+                                <p:cTn id="5" presetID="42" presetClass="entr" presetSubtype="0" fill="hold" grpId="0" nodeType="clickEffect">
+                                  <p:stCondLst>
+                                    <p:cond delay="0"/>
+                                  </p:stCondLst>
+                                  <p:childTnLst>
+                                    <p:set>
+                                      <p:cBhvr>
+                                        <p:cTn id="6" dur="1" fill="hold">
+                                          <p:stCondLst>
+                                            <p:cond delay="0"/>
+                                          </p:stCondLst>
+                                        </p:cTn>
+                                        <p:tgtEl>
+                                          <p:spTgt spid="11"/>
+                                        </p:tgtEl>
+                                        <p:attrNameLst>
+                                          <p:attrName>style.visibility</p:attrName>
+                                        </p:attrNameLst>
+                                      </p:cBhvr>
+                                      <p:to>
+                                        <p:strVal val="visible"/>
+                                      </p:to>
+                                    </p:set>
+                                    <p:animEffect transition="in" filter="fade">
+                                      <p:cBhvr>
+                                        <p:cTn id="7" dur="1000"/>
+                                        <p:tgtEl>
+                                          <p:spTgt spid="11"/>
+                                        </p:tgtEl>
+                                      </p:cBhvr>
+                                    </p:animEffect>
+                                    <p:anim calcmode="lin" valueType="num">
+                                      <p:cBhvr>
+                                        <p:cTn id="8" dur="1000" fill="hold"/>
+                                        <p:tgtEl>
+                                          <p:spTgt spid="11"/>
+                                        </p:tgtEl>
+                                        <p:attrNameLst>
+                                          <p:attrName>ppt_x</p:attrName>
+                                        </p:attrNameLst>
+                                      </p:cBhvr>
+                                      <p:tavLst>
+                                        <p:tav tm="0">
+                                          <p:val>
+                                            <p:strVal val="#ppt_x"/>
+                                          </p:val>
+                                        </p:tav>
+                                        <p:tav tm="100000">
+                                          <p:val>
+                                            <p:strVal val="#ppt_x"/>
+                                          </p:val>
+                                        </p:tav>
+                                      </p:tavLst>
+                                    </p:anim>
+                                    <p:anim calcmode="lin" valueType="num">
+                                      <p:cBhvr>
+                                        <p:cTn id="9" dur="1000" fill="hold"/>
+                                        <p:tgtEl>
+                                          <p:spTgt spid="11"/>
+                                        </p:tgtEl>
+                                        <p:attrNameLst>
+                                          <p:attrName>ppt_y</p:attrName>
+                                        </p:attrNameLst>
+                                      </p:cBhvr>
+                                      <p:tavLst>
+                                        <p:tav tm="0">
+                                          <p:val>
+                                            <p:strVal val="#ppt_y+.1"/>
+                                          </p:val>
+                                        </p:tav>
+                                        <p:tav tm="100000">
+                                          <p:val>
+                                            <p:strVal val="#ppt_y"/>
+                                          </p:val>
+                                        </p:tav>
+                                      </p:tavLst>
+                                    </p:anim>
+                                  </p:childTnLst>
+                                </p:cTn>
+                              </p:par>
+                            </p:childTnLst>
+                          </p:cTn>
+                        </p:par>
+                      </p:childTnLst>
+                    </p:cTn>
+                  </p:par>
+                </p:childTnLst>
+              </p:cTn>
+              <p:prevCondLst>
+                <p:cond evt="onPrev" delay="0">
+                  <p:tgtEl>
+                    <p:sldTgt/>
+                  </p:tgtEl>
+                </p:cond>
+              </p:prevCondLst>
+              <p:nextCondLst>
+                <p:cond evt="onNext" delay="0">
+                  <p:tgtEl>
+                    <p:sldTgt/>
+                  </p:tgtEl>
+                </p:cond>
+              </p:nextCondLst>
+            </p:seq>
+          </p:childTnLst>
+        </p:cTn>
       </p:par>
     </p:tnLst>
+    <p:bldLst>
+      <p:bldP spid="11" grpId="0"/>
+    </p:bldLst>
   </p:timing>
 </p:sld>
 </file>
@@ -15388,8 +15544,8 @@
         </p:nvSpPr>
         <p:spPr>
           <a:xfrm>
-            <a:off x="609600" y="419100"/>
-            <a:ext cx="8534400" cy="838200"/>
+            <a:off x="1371600" y="571500"/>
+            <a:ext cx="7848600" cy="838200"/>
           </a:xfrm>
           <a:prstGeom prst="roundRect">
             <a:avLst/>
@@ -15432,9 +15588,9 @@
               </a:defRPr>
             </a:pPr>
             <a:r>
-              <a:rPr lang="en-US" sz="4000" b="1" dirty="0">
+              <a:rPr lang="en-US" sz="3600" b="1" dirty="0">
                 <a:solidFill>
-                  <a:schemeClr val="bg1"/>
+                  <a:schemeClr val="tx1"/>
                 </a:solidFill>
                 <a:latin typeface="Cambria Math" panose="02040503050406030204" pitchFamily="18" charset="0"/>
                 <a:ea typeface="Cambria Math" panose="02040503050406030204" pitchFamily="18" charset="0"/>
@@ -16065,7 +16221,7 @@
           <p:cNvPr id="13" name="Chart 12">
             <a:extLst>
               <a:ext uri="{FF2B5EF4-FFF2-40B4-BE49-F238E27FC236}">
-                <a16:creationId xmlns:a16="http://schemas.microsoft.com/office/drawing/2014/main" xmlns="" id="{00000000-0008-0000-0200-000005000000}"/>
+                <a16:creationId xmlns="" xmlns:a16="http://schemas.microsoft.com/office/drawing/2014/main" id="{00000000-0008-0000-0200-000005000000}"/>
               </a:ext>
             </a:extLst>
           </p:cNvPr>
@@ -16075,7 +16231,7 @@
           <p:nvPr>
             <p:extLst>
               <p:ext uri="{D42A27DB-BD31-4B8C-83A1-F6EECF244321}">
-                <p14:modId xmlns:p14="http://schemas.microsoft.com/office/powerpoint/2010/main" val="538034077"/>
+                <p14:modId xmlns:p14="http://schemas.microsoft.com/office/powerpoint/2010/main" val="2163391708"/>
               </p:ext>
             </p:extLst>
           </p:nvPr>
@@ -16112,6 +16268,13 @@
       </p:transition>
     </mc:Fallback>
   </mc:AlternateContent>
+  <p:timing>
+    <p:tnLst>
+      <p:par>
+        <p:cTn id="1" dur="indefinite" restart="never" nodeType="tmRoot"/>
+      </p:par>
+    </p:tnLst>
+  </p:timing>
 </p:sld>
 </file>
 
@@ -16206,19 +16369,8 @@
                 <a:latin typeface="Cambria Math" panose="02040503050406030204" pitchFamily="18" charset="0"/>
                 <a:ea typeface="Cambria Math" panose="02040503050406030204" pitchFamily="18" charset="0"/>
               </a:rPr>
-              <a:t>Find some difficulty while scrapping 1mg Data , Due to dynamic </a:t>
-            </a:r>
-            <a:r>
-              <a:rPr lang="en-US" sz="2800" dirty="0" smtClean="0">
-                <a:latin typeface="Cambria Math" panose="02040503050406030204" pitchFamily="18" charset="0"/>
-                <a:ea typeface="Cambria Math" panose="02040503050406030204" pitchFamily="18" charset="0"/>
-              </a:rPr>
-              <a:t>Site </a:t>
-            </a:r>
-            <a:endParaRPr lang="en-US" sz="2800" dirty="0" smtClean="0">
-              <a:latin typeface="Cambria Math" panose="02040503050406030204" pitchFamily="18" charset="0"/>
-              <a:ea typeface="Cambria Math" panose="02040503050406030204" pitchFamily="18" charset="0"/>
-            </a:endParaRPr>
+              <a:t>Find some difficulty while scrapping 1mg Data , Due to dynamic Site </a:t>
+            </a:r>
           </a:p>
           <a:p>
             <a:pPr marL="285750" indent="-285750">
@@ -16403,6 +16555,13 @@
       </p:transition>
     </mc:Fallback>
   </mc:AlternateContent>
+  <p:timing>
+    <p:tnLst>
+      <p:par>
+        <p:cTn id="1" dur="indefinite" restart="never" nodeType="tmRoot"/>
+      </p:par>
+    </p:tnLst>
+  </p:timing>
 </p:sld>
 </file>
 
@@ -16474,7 +16633,7 @@
               <a:alphaModFix amt="43999"/>
               <a:extLst>
                 <a:ext uri="{96DAC541-7B7A-43D3-8B79-37D633B846F1}">
-                  <asvg:svgBlip xmlns="" xmlns:asvg="http://schemas.microsoft.com/office/drawing/2016/SVG/main" r:embed="rId3"/>
+                  <asvg:svgBlip xmlns:asvg="http://schemas.microsoft.com/office/drawing/2016/SVG/main" xmlns="" r:embed="rId3"/>
                 </a:ext>
               </a:extLst>
             </a:blip>
@@ -16637,13 +16796,13 @@
   <p:clrMapOvr>
     <a:masterClrMapping/>
   </p:clrMapOvr>
-  <mc:AlternateContent xmlns:mc="http://schemas.openxmlformats.org/markup-compatibility/2006" xmlns:p14="http://schemas.microsoft.com/office/powerpoint/2010/main">
-    <mc:Choice Requires="p14">
-      <p:transition spd="slow" p14:dur="1600">
-        <p14:gallery dir="l"/>
+  <mc:AlternateContent xmlns:mc="http://schemas.openxmlformats.org/markup-compatibility/2006">
+    <mc:Choice xmlns:p15="http://schemas.microsoft.com/office/powerpoint/2012/main" Requires="p15">
+      <p:transition xmlns:p14="http://schemas.microsoft.com/office/powerpoint/2010/main" spd="slow" p14:dur="2000">
+        <p15:prstTrans prst="drape"/>
       </p:transition>
     </mc:Choice>
-    <mc:Fallback xmlns="">
+    <mc:Fallback>
       <p:transition spd="slow">
         <p:fade/>
       </p:transition>
@@ -17285,7 +17444,7 @@
               <a:alphaModFix amt="43999"/>
               <a:extLst>
                 <a:ext uri="{96DAC541-7B7A-43D3-8B79-37D633B846F1}">
-                  <asvg:svgBlip xmlns="" xmlns:asvg="http://schemas.microsoft.com/office/drawing/2016/SVG/main" r:embed="rId3"/>
+                  <asvg:svgBlip xmlns:asvg="http://schemas.microsoft.com/office/drawing/2016/SVG/main" xmlns="" r:embed="rId3"/>
                 </a:ext>
               </a:extLst>
             </a:blip>
@@ -17692,8 +17851,8 @@
         </p:nvSpPr>
         <p:spPr>
           <a:xfrm>
-            <a:off x="2590800" y="419100"/>
-            <a:ext cx="6781800" cy="914400"/>
+            <a:off x="2632246" y="571500"/>
+            <a:ext cx="7045153" cy="914400"/>
           </a:xfrm>
           <a:prstGeom prst="roundRect">
             <a:avLst/>
@@ -17730,46 +17889,6 @@
                 <a:spcPct val="0"/>
               </a:spcBef>
             </a:pPr>
-            <a:r>
-              <a:rPr lang="en-GB" sz="3600" b="1" dirty="0">
-                <a:solidFill>
-                  <a:schemeClr val="bg1"/>
-                </a:solidFill>
-                <a:latin typeface="Cambria Math" panose="02040503050406030204" pitchFamily="18" charset="0"/>
-                <a:ea typeface="Cambria Math" panose="02040503050406030204" pitchFamily="18" charset="0"/>
-              </a:rPr>
-              <a:t>Top 4 </a:t>
-            </a:r>
-            <a:r>
-              <a:rPr lang="en-GB" sz="3600" b="1" dirty="0" smtClean="0">
-                <a:solidFill>
-                  <a:schemeClr val="bg1"/>
-                </a:solidFill>
-                <a:latin typeface="Cambria Math" panose="02040503050406030204" pitchFamily="18" charset="0"/>
-                <a:ea typeface="Cambria Math" panose="02040503050406030204" pitchFamily="18" charset="0"/>
-              </a:rPr>
-              <a:t>Brands </a:t>
-            </a:r>
-            <a:r>
-              <a:rPr lang="en-GB" sz="3600" b="1" dirty="0">
-                <a:solidFill>
-                  <a:schemeClr val="bg1"/>
-                </a:solidFill>
-                <a:latin typeface="Cambria Math" panose="02040503050406030204" pitchFamily="18" charset="0"/>
-                <a:ea typeface="Cambria Math" panose="02040503050406030204" pitchFamily="18" charset="0"/>
-              </a:rPr>
-              <a:t>(</a:t>
-            </a:r>
-            <a:r>
-              <a:rPr lang="en-GB" sz="3600" b="1" dirty="0" smtClean="0">
-                <a:solidFill>
-                  <a:schemeClr val="bg1"/>
-                </a:solidFill>
-                <a:latin typeface="Cambria Math" panose="02040503050406030204" pitchFamily="18" charset="0"/>
-                <a:ea typeface="Cambria Math" panose="02040503050406030204" pitchFamily="18" charset="0"/>
-              </a:rPr>
-              <a:t>Rating &gt; 4)</a:t>
-            </a:r>
             <a:endParaRPr lang="en-US" sz="3600" b="1" dirty="0">
               <a:solidFill>
                 <a:schemeClr val="bg1"/>
@@ -17785,7 +17904,7 @@
           <p:cNvPr id="6" name="Chart 5">
             <a:extLst>
               <a:ext uri="{FF2B5EF4-FFF2-40B4-BE49-F238E27FC236}">
-                <a16:creationId xmlns:a16="http://schemas.microsoft.com/office/drawing/2014/main" xmlns="" id="{00000000-0008-0000-0200-000007000000}"/>
+                <a16:creationId xmlns="" xmlns:a16="http://schemas.microsoft.com/office/drawing/2014/main" id="{00000000-0008-0000-0200-000007000000}"/>
               </a:ext>
             </a:extLst>
           </p:cNvPr>
@@ -17934,6 +18053,67 @@
               </a:rPr>
               <a:t>Pvt Ltd</a:t>
             </a:r>
+          </a:p>
+        </p:txBody>
+      </p:sp>
+      <p:sp>
+        <p:nvSpPr>
+          <p:cNvPr id="3" name="TextBox 2"/>
+          <p:cNvSpPr txBox="1"/>
+          <p:nvPr/>
+        </p:nvSpPr>
+        <p:spPr>
+          <a:xfrm>
+            <a:off x="2438399" y="685167"/>
+            <a:ext cx="6975647" cy="984885"/>
+          </a:xfrm>
+          <a:prstGeom prst="rect">
+            <a:avLst/>
+          </a:prstGeom>
+          <a:noFill/>
+        </p:spPr>
+        <p:txBody>
+          <a:bodyPr wrap="square" rtlCol="0">
+            <a:spAutoFit/>
+          </a:bodyPr>
+          <a:lstStyle/>
+          <a:p>
+            <a:pPr lvl="0"/>
+            <a:r>
+              <a:rPr lang="en-GB" b="1" dirty="0">
+                <a:latin typeface="Cambria Math" panose="02040503050406030204" pitchFamily="18" charset="0"/>
+                <a:ea typeface="Cambria Math" panose="02040503050406030204" pitchFamily="18" charset="0"/>
+              </a:rPr>
+              <a:t>	</a:t>
+            </a:r>
+            <a:r>
+              <a:rPr lang="en-GB" sz="4000" b="1" dirty="0" smtClean="0">
+                <a:latin typeface="Cambria Math" panose="02040503050406030204" pitchFamily="18" charset="0"/>
+                <a:ea typeface="Cambria Math" panose="02040503050406030204" pitchFamily="18" charset="0"/>
+              </a:rPr>
+              <a:t>Top </a:t>
+            </a:r>
+            <a:r>
+              <a:rPr lang="en-GB" sz="4000" b="1" dirty="0">
+                <a:latin typeface="Cambria Math" panose="02040503050406030204" pitchFamily="18" charset="0"/>
+                <a:ea typeface="Cambria Math" panose="02040503050406030204" pitchFamily="18" charset="0"/>
+              </a:rPr>
+              <a:t>4 Brands (Rating &gt; </a:t>
+            </a:r>
+            <a:r>
+              <a:rPr lang="en-GB" sz="4000" b="1" dirty="0" smtClean="0">
+                <a:latin typeface="Cambria Math" panose="02040503050406030204" pitchFamily="18" charset="0"/>
+                <a:ea typeface="Cambria Math" panose="02040503050406030204" pitchFamily="18" charset="0"/>
+              </a:rPr>
+              <a:t>4)</a:t>
+            </a:r>
+            <a:endParaRPr lang="en-US" sz="2400" b="1" dirty="0">
+              <a:latin typeface="Cambria Math" panose="02040503050406030204" pitchFamily="18" charset="0"/>
+              <a:ea typeface="Cambria Math" panose="02040503050406030204" pitchFamily="18" charset="0"/>
+            </a:endParaRPr>
+          </a:p>
+          <a:p>
+            <a:endParaRPr lang="en-IN" dirty="0"/>
           </a:p>
         </p:txBody>
       </p:sp>
@@ -18095,7 +18275,7 @@
             <a:r>
               <a:rPr lang="en-US" sz="3600" b="1" dirty="0" smtClean="0">
                 <a:solidFill>
-                  <a:schemeClr val="bg1"/>
+                  <a:schemeClr val="tx1"/>
                 </a:solidFill>
                 <a:latin typeface="Cambria Math" panose="02040503050406030204" pitchFamily="18" charset="0"/>
                 <a:ea typeface="Cambria Math" panose="02040503050406030204" pitchFamily="18" charset="0"/>
@@ -18105,7 +18285,7 @@
             <a:r>
               <a:rPr lang="en-US" sz="3600" b="1" dirty="0">
                 <a:solidFill>
-                  <a:schemeClr val="bg1"/>
+                  <a:schemeClr val="tx1"/>
                 </a:solidFill>
                 <a:latin typeface="Cambria Math" panose="02040503050406030204" pitchFamily="18" charset="0"/>
                 <a:ea typeface="Cambria Math" panose="02040503050406030204" pitchFamily="18" charset="0"/>
@@ -18115,7 +18295,7 @@
             <a:r>
               <a:rPr lang="en-US" sz="3600" b="1" dirty="0" err="1" smtClean="0">
                 <a:solidFill>
-                  <a:schemeClr val="bg1"/>
+                  <a:schemeClr val="tx1"/>
                 </a:solidFill>
                 <a:latin typeface="Cambria Math" panose="02040503050406030204" pitchFamily="18" charset="0"/>
                 <a:ea typeface="Cambria Math" panose="02040503050406030204" pitchFamily="18" charset="0"/>
@@ -18125,7 +18305,7 @@
             <a:r>
               <a:rPr lang="en-US" sz="3600" b="1" dirty="0" smtClean="0">
                 <a:solidFill>
-                  <a:schemeClr val="bg1"/>
+                  <a:schemeClr val="tx1"/>
                 </a:solidFill>
                 <a:latin typeface="Cambria Math" panose="02040503050406030204" pitchFamily="18" charset="0"/>
                 <a:ea typeface="Cambria Math" panose="02040503050406030204" pitchFamily="18" charset="0"/>
@@ -18134,7 +18314,7 @@
             </a:r>
             <a:endParaRPr lang="en-US" sz="3600" b="1" dirty="0">
               <a:solidFill>
-                <a:schemeClr val="bg1"/>
+                <a:schemeClr val="tx1"/>
               </a:solidFill>
               <a:latin typeface="Cambria Math" panose="02040503050406030204" pitchFamily="18" charset="0"/>
               <a:ea typeface="Cambria Math" panose="02040503050406030204" pitchFamily="18" charset="0"/>
@@ -18147,7 +18327,7 @@
           <p:cNvPr id="18" name="Chart 17">
             <a:extLst>
               <a:ext uri="{FF2B5EF4-FFF2-40B4-BE49-F238E27FC236}">
-                <a16:creationId xmlns:a16="http://schemas.microsoft.com/office/drawing/2014/main" xmlns="" id="{00000000-0008-0000-0200-000003000000}"/>
+                <a16:creationId xmlns="" xmlns:a16="http://schemas.microsoft.com/office/drawing/2014/main" id="{00000000-0008-0000-0200-000003000000}"/>
               </a:ext>
             </a:extLst>
           </p:cNvPr>
@@ -18157,14 +18337,14 @@
           <p:nvPr>
             <p:extLst>
               <p:ext uri="{D42A27DB-BD31-4B8C-83A1-F6EECF244321}">
-                <p14:modId xmlns:p14="http://schemas.microsoft.com/office/powerpoint/2010/main" val="3407080485"/>
+                <p14:modId xmlns:p14="http://schemas.microsoft.com/office/powerpoint/2010/main" val="1284132672"/>
               </p:ext>
             </p:extLst>
           </p:nvPr>
         </p:nvGraphicFramePr>
         <p:xfrm>
-          <a:off x="609600" y="1943101"/>
-          <a:ext cx="13335000" cy="5459784"/>
+          <a:off x="609600" y="1943100"/>
+          <a:ext cx="13335000" cy="5943599"/>
         </p:xfrm>
         <a:graphic>
           <a:graphicData uri="http://schemas.openxmlformats.org/drawingml/2006/chart">
@@ -18269,7 +18449,7 @@
           <p:cNvPr id="2" name="Chart 1">
             <a:extLst>
               <a:ext uri="{FF2B5EF4-FFF2-40B4-BE49-F238E27FC236}">
-                <a16:creationId xmlns:a16="http://schemas.microsoft.com/office/drawing/2014/main" xmlns="" id="{00000000-0008-0000-0200-000004000000}"/>
+                <a16:creationId xmlns="" xmlns:a16="http://schemas.microsoft.com/office/drawing/2014/main" id="{00000000-0008-0000-0200-000004000000}"/>
               </a:ext>
             </a:extLst>
           </p:cNvPr>
@@ -18279,7 +18459,7 @@
           <p:nvPr>
             <p:extLst>
               <p:ext uri="{D42A27DB-BD31-4B8C-83A1-F6EECF244321}">
-                <p14:modId xmlns:p14="http://schemas.microsoft.com/office/powerpoint/2010/main" val="17190614"/>
+                <p14:modId xmlns:p14="http://schemas.microsoft.com/office/powerpoint/2010/main" val="1839751544"/>
               </p:ext>
             </p:extLst>
           </p:nvPr>
@@ -18302,7 +18482,7 @@
         </p:nvSpPr>
         <p:spPr>
           <a:xfrm>
-            <a:off x="1219200" y="190500"/>
+            <a:off x="838200" y="266700"/>
             <a:ext cx="8763000" cy="762000"/>
           </a:xfrm>
           <a:prstGeom prst="roundRect">
@@ -18346,26 +18526,32 @@
               </a:defRPr>
             </a:pPr>
             <a:r>
-              <a:rPr lang="en-US" sz="3200" b="1" dirty="0">
+              <a:rPr lang="en-US" sz="3600" b="1" dirty="0">
                 <a:solidFill>
-                  <a:schemeClr val="bg1"/>
+                  <a:schemeClr val="tx1"/>
                 </a:solidFill>
+                <a:latin typeface="Cambria Math" panose="02040503050406030204" pitchFamily="18" charset="0"/>
+                <a:ea typeface="Cambria Math" panose="02040503050406030204" pitchFamily="18" charset="0"/>
               </a:rPr>
               <a:t>Average Number of </a:t>
             </a:r>
             <a:r>
-              <a:rPr lang="en-US" sz="3200" dirty="0">
+              <a:rPr lang="en-US" sz="3600" dirty="0">
                 <a:solidFill>
-                  <a:schemeClr val="bg1"/>
+                  <a:schemeClr val="tx1"/>
                 </a:solidFill>
+                <a:latin typeface="Cambria Math" panose="02040503050406030204" pitchFamily="18" charset="0"/>
+                <a:ea typeface="Cambria Math" panose="02040503050406030204" pitchFamily="18" charset="0"/>
               </a:rPr>
               <a:t>Ratings</a:t>
             </a:r>
             <a:r>
-              <a:rPr lang="en-US" sz="3200" b="1" dirty="0">
+              <a:rPr lang="en-US" sz="3600" b="1" dirty="0">
                 <a:solidFill>
-                  <a:schemeClr val="bg1"/>
+                  <a:schemeClr val="tx1"/>
                 </a:solidFill>
+                <a:latin typeface="Cambria Math" panose="02040503050406030204" pitchFamily="18" charset="0"/>
+                <a:ea typeface="Cambria Math" panose="02040503050406030204" pitchFamily="18" charset="0"/>
               </a:rPr>
               <a:t> by Brand</a:t>
             </a:r>
@@ -18613,7 +18799,7 @@
         <p:spPr>
           <a:xfrm>
             <a:off x="1676401" y="419100"/>
-            <a:ext cx="11277600" cy="1295400"/>
+            <a:ext cx="11277600" cy="990600"/>
           </a:xfrm>
           <a:prstGeom prst="roundRect">
             <a:avLst/>
@@ -18672,9 +18858,9 @@
               </a:defRPr>
             </a:pPr>
             <a:r>
-              <a:rPr lang="en-US" sz="4000" b="1" dirty="0" smtClean="0">
+              <a:rPr lang="en-US" sz="3600" b="1" dirty="0" smtClean="0">
                 <a:solidFill>
-                  <a:schemeClr val="bg1"/>
+                  <a:schemeClr val="tx1"/>
                 </a:solidFill>
                 <a:latin typeface="Cambria Math" panose="02040503050406030204" pitchFamily="18" charset="0"/>
                 <a:ea typeface="Cambria Math" panose="02040503050406030204" pitchFamily="18" charset="0"/>
@@ -18682,9 +18868,9 @@
               <a:t>Price </a:t>
             </a:r>
             <a:r>
-              <a:rPr lang="en-US" sz="4000" b="1" dirty="0">
+              <a:rPr lang="en-US" sz="3600" b="1" dirty="0">
                 <a:solidFill>
-                  <a:schemeClr val="bg1"/>
+                  <a:schemeClr val="tx1"/>
                 </a:solidFill>
                 <a:latin typeface="Cambria Math" panose="02040503050406030204" pitchFamily="18" charset="0"/>
                 <a:ea typeface="Cambria Math" panose="02040503050406030204" pitchFamily="18" charset="0"/>
@@ -18692,9 +18878,9 @@
               <a:t>Range of Medicines Across </a:t>
             </a:r>
             <a:r>
-              <a:rPr lang="en-US" sz="4000" b="1" dirty="0" err="1" smtClean="0">
+              <a:rPr lang="en-US" sz="3600" b="1" dirty="0" err="1" smtClean="0">
                 <a:solidFill>
-                  <a:schemeClr val="bg1"/>
+                  <a:schemeClr val="tx1"/>
                 </a:solidFill>
                 <a:latin typeface="Cambria Math" panose="02040503050406030204" pitchFamily="18" charset="0"/>
                 <a:ea typeface="Cambria Math" panose="02040503050406030204" pitchFamily="18" charset="0"/>
@@ -18702,9 +18888,9 @@
               <a:t>Key_Benefit</a:t>
             </a:r>
             <a:r>
-              <a:rPr lang="en-US" sz="4000" b="1" dirty="0" smtClean="0">
+              <a:rPr lang="en-US" sz="3600" b="1" dirty="0" smtClean="0">
                 <a:solidFill>
-                  <a:schemeClr val="bg1"/>
+                  <a:schemeClr val="tx1"/>
                 </a:solidFill>
                 <a:latin typeface="Cambria Math" panose="02040503050406030204" pitchFamily="18" charset="0"/>
                 <a:ea typeface="Cambria Math" panose="02040503050406030204" pitchFamily="18" charset="0"/>
@@ -18712,9 +18898,9 @@
               <a:t> </a:t>
             </a:r>
             <a:r>
-              <a:rPr lang="en-US" sz="4000" b="1" dirty="0">
+              <a:rPr lang="en-US" sz="3600" b="1" dirty="0">
                 <a:solidFill>
-                  <a:schemeClr val="bg1"/>
+                  <a:schemeClr val="tx1"/>
                 </a:solidFill>
                 <a:latin typeface="Cambria Math" panose="02040503050406030204" pitchFamily="18" charset="0"/>
                 <a:ea typeface="Cambria Math" panose="02040503050406030204" pitchFamily="18" charset="0"/>
@@ -18751,7 +18937,7 @@
           <p:cNvPr id="6" name="Chart 5">
             <a:extLst>
               <a:ext uri="{FF2B5EF4-FFF2-40B4-BE49-F238E27FC236}">
-                <a16:creationId xmlns:a16="http://schemas.microsoft.com/office/drawing/2014/main" xmlns="" id="{00000000-0008-0000-0200-000005000000}"/>
+                <a16:creationId xmlns="" xmlns:a16="http://schemas.microsoft.com/office/drawing/2014/main" id="{00000000-0008-0000-0200-000005000000}"/>
               </a:ext>
             </a:extLst>
           </p:cNvPr>
@@ -18761,7 +18947,7 @@
           <p:nvPr>
             <p:extLst>
               <p:ext uri="{D42A27DB-BD31-4B8C-83A1-F6EECF244321}">
-                <p14:modId xmlns:p14="http://schemas.microsoft.com/office/powerpoint/2010/main" val="2475295875"/>
+                <p14:modId xmlns:p14="http://schemas.microsoft.com/office/powerpoint/2010/main" val="558049918"/>
               </p:ext>
             </p:extLst>
           </p:nvPr>
